--- a/Poker_-_equipe_GD5.pptx
+++ b/Poker_-_equipe_GD5.pptx
@@ -112,6 +112,11 @@
       </a:defRPr>
     </a:lvl9pPr>
   </p:defaultTextStyle>
+  <p:extLst>
+    <p:ext uri="{EFAFB233-063F-42B5-8137-9DF3F51BA10A}">
+      <p15:sldGuideLst xmlns:p15="http://schemas.microsoft.com/office/powerpoint/2012/main"/>
+    </p:ext>
+  </p:extLst>
 </p:presentation>
 </file>
 
@@ -3520,7 +3525,7 @@
           <a:p>
             <a:r>
               <a:rPr lang="fr-FR" dirty="0"/>
-              <a:t>Création d’un deck de 52 cartes (notamment créer pour les tests </a:t>
+              <a:t>Création d’un deck de 52 cartes (notamment créé pour les tests </a:t>
             </a:r>
             <a:r>
               <a:rPr lang="fr-FR" dirty="0" err="1"/>
@@ -4753,17 +4758,7 @@
             </a:pPr>
             <a:r>
               <a:rPr lang="fr-FR" dirty="0"/>
-              <a:t> Je sais pas</a:t>
-            </a:r>
-          </a:p>
-          <a:p>
-            <a:pPr>
-              <a:buFont typeface="Wingdings" panose="05000000000000000000" pitchFamily="2" charset="2"/>
-              <a:buChar char="Ø"/>
-            </a:pPr>
-            <a:r>
-              <a:rPr lang="fr-FR" dirty="0"/>
-              <a:t> …</a:t>
+              <a:t> Les Tests</a:t>
             </a:r>
           </a:p>
         </p:txBody>

--- a/Poker_-_equipe_GD5.pptx
+++ b/Poker_-_equipe_GD5.pptx
@@ -13,7 +13,8 @@
     <p:sldId id="261" r:id="rId7"/>
     <p:sldId id="262" r:id="rId8"/>
     <p:sldId id="263" r:id="rId9"/>
-    <p:sldId id="264" r:id="rId10"/>
+    <p:sldId id="265" r:id="rId10"/>
+    <p:sldId id="264" r:id="rId11"/>
   </p:sldIdLst>
   <p:sldSz cx="12192000" cy="6858000"/>
   <p:notesSz cx="6858000" cy="9144000"/>
@@ -267,7 +268,7 @@
           <a:p>
             <a:fld id="{424B29AF-9190-4E93-8491-298A7DE4074C}" type="datetimeFigureOut">
               <a:rPr lang="fr-FR" smtClean="0"/>
-              <a:t>25/10/2021</a:t>
+              <a:t>26/10/2021</a:t>
             </a:fld>
             <a:endParaRPr lang="fr-FR"/>
           </a:p>
@@ -465,7 +466,7 @@
           <a:p>
             <a:fld id="{424B29AF-9190-4E93-8491-298A7DE4074C}" type="datetimeFigureOut">
               <a:rPr lang="fr-FR" smtClean="0"/>
-              <a:t>25/10/2021</a:t>
+              <a:t>26/10/2021</a:t>
             </a:fld>
             <a:endParaRPr lang="fr-FR"/>
           </a:p>
@@ -673,7 +674,7 @@
           <a:p>
             <a:fld id="{424B29AF-9190-4E93-8491-298A7DE4074C}" type="datetimeFigureOut">
               <a:rPr lang="fr-FR" smtClean="0"/>
-              <a:t>25/10/2021</a:t>
+              <a:t>26/10/2021</a:t>
             </a:fld>
             <a:endParaRPr lang="fr-FR"/>
           </a:p>
@@ -871,7 +872,7 @@
           <a:p>
             <a:fld id="{424B29AF-9190-4E93-8491-298A7DE4074C}" type="datetimeFigureOut">
               <a:rPr lang="fr-FR" smtClean="0"/>
-              <a:t>25/10/2021</a:t>
+              <a:t>26/10/2021</a:t>
             </a:fld>
             <a:endParaRPr lang="fr-FR"/>
           </a:p>
@@ -1146,7 +1147,7 @@
           <a:p>
             <a:fld id="{424B29AF-9190-4E93-8491-298A7DE4074C}" type="datetimeFigureOut">
               <a:rPr lang="fr-FR" smtClean="0"/>
-              <a:t>25/10/2021</a:t>
+              <a:t>26/10/2021</a:t>
             </a:fld>
             <a:endParaRPr lang="fr-FR"/>
           </a:p>
@@ -1411,7 +1412,7 @@
           <a:p>
             <a:fld id="{424B29AF-9190-4E93-8491-298A7DE4074C}" type="datetimeFigureOut">
               <a:rPr lang="fr-FR" smtClean="0"/>
-              <a:t>25/10/2021</a:t>
+              <a:t>26/10/2021</a:t>
             </a:fld>
             <a:endParaRPr lang="fr-FR"/>
           </a:p>
@@ -1823,7 +1824,7 @@
           <a:p>
             <a:fld id="{424B29AF-9190-4E93-8491-298A7DE4074C}" type="datetimeFigureOut">
               <a:rPr lang="fr-FR" smtClean="0"/>
-              <a:t>25/10/2021</a:t>
+              <a:t>26/10/2021</a:t>
             </a:fld>
             <a:endParaRPr lang="fr-FR"/>
           </a:p>
@@ -1964,7 +1965,7 @@
           <a:p>
             <a:fld id="{424B29AF-9190-4E93-8491-298A7DE4074C}" type="datetimeFigureOut">
               <a:rPr lang="fr-FR" smtClean="0"/>
-              <a:t>25/10/2021</a:t>
+              <a:t>26/10/2021</a:t>
             </a:fld>
             <a:endParaRPr lang="fr-FR"/>
           </a:p>
@@ -2077,7 +2078,7 @@
           <a:p>
             <a:fld id="{424B29AF-9190-4E93-8491-298A7DE4074C}" type="datetimeFigureOut">
               <a:rPr lang="fr-FR" smtClean="0"/>
-              <a:t>25/10/2021</a:t>
+              <a:t>26/10/2021</a:t>
             </a:fld>
             <a:endParaRPr lang="fr-FR"/>
           </a:p>
@@ -2388,7 +2389,7 @@
           <a:p>
             <a:fld id="{424B29AF-9190-4E93-8491-298A7DE4074C}" type="datetimeFigureOut">
               <a:rPr lang="fr-FR" smtClean="0"/>
-              <a:t>25/10/2021</a:t>
+              <a:t>26/10/2021</a:t>
             </a:fld>
             <a:endParaRPr lang="fr-FR"/>
           </a:p>
@@ -2676,7 +2677,7 @@
           <a:p>
             <a:fld id="{424B29AF-9190-4E93-8491-298A7DE4074C}" type="datetimeFigureOut">
               <a:rPr lang="fr-FR" smtClean="0"/>
-              <a:t>25/10/2021</a:t>
+              <a:t>26/10/2021</a:t>
             </a:fld>
             <a:endParaRPr lang="fr-FR"/>
           </a:p>
@@ -2917,7 +2918,7 @@
           <a:p>
             <a:fld id="{424B29AF-9190-4E93-8491-298A7DE4074C}" type="datetimeFigureOut">
               <a:rPr lang="fr-FR" smtClean="0"/>
-              <a:t>25/10/2021</a:t>
+              <a:t>26/10/2021</a:t>
             </a:fld>
             <a:endParaRPr lang="fr-FR"/>
           </a:p>
@@ -3427,6 +3428,147 @@
 </p:sld>
 </file>
 
+<file path=ppt/slides/slide10.xml><?xml version="1.0" encoding="utf-8"?>
+<p:sld xmlns:a="http://schemas.openxmlformats.org/drawingml/2006/main" xmlns:r="http://schemas.openxmlformats.org/officeDocument/2006/relationships" xmlns:p="http://schemas.openxmlformats.org/presentationml/2006/main">
+  <p:cSld>
+    <p:spTree>
+      <p:nvGrpSpPr>
+        <p:cNvPr id="1" name=""/>
+        <p:cNvGrpSpPr/>
+        <p:nvPr/>
+      </p:nvGrpSpPr>
+      <p:grpSpPr>
+        <a:xfrm>
+          <a:off x="0" y="0"/>
+          <a:ext cx="0" cy="0"/>
+          <a:chOff x="0" y="0"/>
+          <a:chExt cx="0" cy="0"/>
+        </a:xfrm>
+      </p:grpSpPr>
+      <p:sp>
+        <p:nvSpPr>
+          <p:cNvPr id="2" name="Titre 1">
+            <a:extLst>
+              <a:ext uri="{FF2B5EF4-FFF2-40B4-BE49-F238E27FC236}">
+                <a16:creationId xmlns:a16="http://schemas.microsoft.com/office/drawing/2014/main" id="{34AD10B9-B7F5-421F-BBCF-850B86D9F8C0}"/>
+              </a:ext>
+            </a:extLst>
+          </p:cNvPr>
+          <p:cNvSpPr>
+            <a:spLocks noGrp="1"/>
+          </p:cNvSpPr>
+          <p:nvPr>
+            <p:ph type="title"/>
+          </p:nvPr>
+        </p:nvSpPr>
+        <p:spPr/>
+        <p:txBody>
+          <a:bodyPr/>
+          <a:lstStyle/>
+          <a:p>
+            <a:pPr algn="ctr"/>
+            <a:r>
+              <a:rPr lang="fr-FR" dirty="0"/>
+              <a:t>Merci pour votre attention !</a:t>
+            </a:r>
+          </a:p>
+        </p:txBody>
+      </p:sp>
+      <p:sp>
+        <p:nvSpPr>
+          <p:cNvPr id="4" name="ZoneTexte 3">
+            <a:extLst>
+              <a:ext uri="{FF2B5EF4-FFF2-40B4-BE49-F238E27FC236}">
+                <a16:creationId xmlns:a16="http://schemas.microsoft.com/office/drawing/2014/main" id="{AF7F034F-5C3C-49F1-9635-2B20FDE4008F}"/>
+              </a:ext>
+            </a:extLst>
+          </p:cNvPr>
+          <p:cNvSpPr txBox="1"/>
+          <p:nvPr/>
+        </p:nvSpPr>
+        <p:spPr>
+          <a:xfrm>
+            <a:off x="3654640" y="3776393"/>
+            <a:ext cx="2441360" cy="707886"/>
+          </a:xfrm>
+          <a:prstGeom prst="rect">
+            <a:avLst/>
+          </a:prstGeom>
+          <a:noFill/>
+        </p:spPr>
+        <p:txBody>
+          <a:bodyPr wrap="square" rtlCol="0">
+            <a:spAutoFit/>
+          </a:bodyPr>
+          <a:lstStyle/>
+          <a:p>
+            <a:r>
+              <a:rPr lang="fr-FR" sz="4000" dirty="0"/>
+              <a:t>Place aux </a:t>
+            </a:r>
+          </a:p>
+        </p:txBody>
+      </p:sp>
+      <p:pic>
+        <p:nvPicPr>
+          <p:cNvPr id="1026" name="Picture 2" descr="Afficher l’image source">
+            <a:extLst>
+              <a:ext uri="{FF2B5EF4-FFF2-40B4-BE49-F238E27FC236}">
+                <a16:creationId xmlns:a16="http://schemas.microsoft.com/office/drawing/2014/main" id="{20AF287C-9994-4B82-8E59-C3D18F42C819}"/>
+              </a:ext>
+            </a:extLst>
+          </p:cNvPr>
+          <p:cNvPicPr>
+            <a:picLocks noChangeAspect="1" noChangeArrowheads="1"/>
+          </p:cNvPicPr>
+          <p:nvPr/>
+        </p:nvPicPr>
+        <p:blipFill>
+          <a:blip r:embed="rId2">
+            <a:extLst>
+              <a:ext uri="{28A0092B-C50C-407E-A947-70E740481C1C}">
+                <a14:useLocalDpi xmlns:a14="http://schemas.microsoft.com/office/drawing/2010/main" val="0"/>
+              </a:ext>
+            </a:extLst>
+          </a:blip>
+          <a:srcRect/>
+          <a:stretch>
+            <a:fillRect/>
+          </a:stretch>
+        </p:blipFill>
+        <p:spPr bwMode="auto">
+          <a:xfrm>
+            <a:off x="6096000" y="2701586"/>
+            <a:ext cx="2857500" cy="2857500"/>
+          </a:xfrm>
+          <a:prstGeom prst="rect">
+            <a:avLst/>
+          </a:prstGeom>
+          <a:noFill/>
+          <a:extLst>
+            <a:ext uri="{909E8E84-426E-40DD-AFC4-6F175D3DCCD1}">
+              <a14:hiddenFill xmlns:a14="http://schemas.microsoft.com/office/drawing/2010/main">
+                <a:solidFill>
+                  <a:srgbClr val="FFFFFF"/>
+                </a:solidFill>
+              </a14:hiddenFill>
+            </a:ext>
+          </a:extLst>
+        </p:spPr>
+      </p:pic>
+    </p:spTree>
+    <p:extLst>
+      <p:ext uri="{BB962C8B-B14F-4D97-AF65-F5344CB8AC3E}">
+        <p14:creationId xmlns:p14="http://schemas.microsoft.com/office/powerpoint/2010/main" val="1716376828"/>
+      </p:ext>
+    </p:extLst>
+  </p:cSld>
+  <p:clrMapOvr>
+    <a:masterClrMapping/>
+  </p:clrMapOvr>
+</p:sld>
+</file>
+
 <file path=ppt/slides/slide2.xml><?xml version="1.0" encoding="utf-8"?>
 <p:sld xmlns:a="http://schemas.openxmlformats.org/drawingml/2006/main" xmlns:r="http://schemas.openxmlformats.org/officeDocument/2006/relationships" xmlns:p="http://schemas.openxmlformats.org/presentationml/2006/main">
   <p:cSld>
@@ -3460,7 +3602,12 @@
             <p:ph type="title"/>
           </p:nvPr>
         </p:nvSpPr>
-        <p:spPr/>
+        <p:spPr>
+          <a:xfrm>
+            <a:off x="838200" y="89917"/>
+            <a:ext cx="10515600" cy="1325563"/>
+          </a:xfrm>
+        </p:spPr>
         <p:txBody>
           <a:bodyPr/>
           <a:lstStyle/>
@@ -3491,23 +3638,23 @@
         </p:nvSpPr>
         <p:spPr>
           <a:xfrm>
-            <a:off x="838200" y="1825625"/>
-            <a:ext cx="10515600" cy="4877016"/>
+            <a:off x="838200" y="1337352"/>
+            <a:ext cx="10515600" cy="5244299"/>
           </a:xfrm>
         </p:spPr>
         <p:txBody>
           <a:bodyPr>
-            <a:normAutofit/>
+            <a:normAutofit fontScale="85000" lnSpcReduction="20000"/>
           </a:bodyPr>
           <a:lstStyle/>
           <a:p>
             <a:r>
               <a:rPr lang="fr-FR" dirty="0"/>
-              <a:t>Création d’</a:t>
+              <a:t>Création de classes </a:t>
             </a:r>
             <a:r>
               <a:rPr lang="fr-FR" dirty="0" err="1"/>
-              <a:t>enumerates</a:t>
+              <a:t>enum</a:t>
             </a:r>
             <a:r>
               <a:rPr lang="fr-FR" dirty="0"/>
@@ -3525,7 +3672,7 @@
           <a:p>
             <a:r>
               <a:rPr lang="fr-FR" dirty="0"/>
-              <a:t>Création d’un deck de 52 cartes (notamment créé pour les tests </a:t>
+              <a:t>Création d’un deck de 52 cartes, créé pour les tests </a:t>
             </a:r>
             <a:r>
               <a:rPr lang="fr-FR" dirty="0" err="1"/>
@@ -3533,7 +3680,33 @@
             </a:r>
             <a:r>
               <a:rPr lang="fr-FR" dirty="0"/>
-              <a:t>) et pour éviter de rentrer une carte en double.</a:t>
+              <a:t>, pour éviter de rentrer une carte en double et pour plus de réalisme.</a:t>
+            </a:r>
+          </a:p>
+          <a:p>
+            <a:endParaRPr lang="fr-FR" dirty="0"/>
+          </a:p>
+          <a:p>
+            <a:r>
+              <a:rPr lang="fr-FR" dirty="0"/>
+              <a:t>Création d’un classement des joueurs après la partie.</a:t>
+            </a:r>
+          </a:p>
+          <a:p>
+            <a:endParaRPr lang="fr-FR" dirty="0"/>
+          </a:p>
+          <a:p>
+            <a:r>
+              <a:rPr lang="fr-FR" dirty="0"/>
+              <a:t>Création d’un </a:t>
+            </a:r>
+            <a:r>
+              <a:rPr lang="fr-FR" dirty="0" err="1"/>
+              <a:t>game</a:t>
+            </a:r>
+            <a:r>
+              <a:rPr lang="fr-FR" dirty="0"/>
+              <a:t> setting avec nombre de joueurs, de cartes et mode de piochage aléatoire ou non</a:t>
             </a:r>
           </a:p>
           <a:p>
@@ -3559,7 +3732,7 @@
           <a:p>
             <a:r>
               <a:rPr lang="fr-FR" dirty="0"/>
-              <a:t>Tests JUnit sur nos 5 classes principales</a:t>
+              <a:t>Tests JUnit sur nos 5 classes principales.</a:t>
             </a:r>
           </a:p>
         </p:txBody>
@@ -3829,7 +4002,7 @@
             </a:pPr>
             <a:r>
               <a:rPr lang="fr-FR" dirty="0"/>
-              <a:t> Nos divers ajouts après le     TD1</a:t>
+              <a:t> Nos divers ajouts après le     TD1 (input, comparaison, affichage…)</a:t>
             </a:r>
           </a:p>
         </p:txBody>
@@ -4041,8 +4214,13 @@
             </a:pPr>
             <a:r>
               <a:rPr lang="fr-FR" dirty="0"/>
-              <a:t> Test JUnit Combinaison</a:t>
-            </a:r>
+              <a:t> Tests </a:t>
+            </a:r>
+            <a:r>
+              <a:rPr lang="fr-FR" dirty="0" err="1"/>
+              <a:t>Junit</a:t>
+            </a:r>
+            <a:endParaRPr lang="fr-FR" dirty="0"/>
           </a:p>
           <a:p>
             <a:pPr>
@@ -4051,7 +4229,15 @@
             </a:pPr>
             <a:r>
               <a:rPr lang="fr-FR" dirty="0"/>
-              <a:t> Test JUnit Reader</a:t>
+              <a:t>La méthode ajoutée pour se caler sur l’exemple d’entrée dans la console, un string avec tout la main (dans la classe </a:t>
+            </a:r>
+            <a:r>
+              <a:rPr lang="fr-FR" dirty="0" err="1"/>
+              <a:t>InputReader</a:t>
+            </a:r>
+            <a:r>
+              <a:rPr lang="fr-FR" dirty="0"/>
+              <a:t>).</a:t>
             </a:r>
           </a:p>
         </p:txBody>
@@ -4464,6 +4650,53 @@
           <a:chExt cx="0" cy="0"/>
         </a:xfrm>
       </p:grpSpPr>
+      <p:pic>
+        <p:nvPicPr>
+          <p:cNvPr id="8194" name="Picture 2" descr="Afficher l’image source">
+            <a:extLst>
+              <a:ext uri="{FF2B5EF4-FFF2-40B4-BE49-F238E27FC236}">
+                <a16:creationId xmlns:a16="http://schemas.microsoft.com/office/drawing/2014/main" id="{9BFA48A0-592A-4025-99F8-26BA96ADAEDE}"/>
+              </a:ext>
+            </a:extLst>
+          </p:cNvPr>
+          <p:cNvPicPr>
+            <a:picLocks noChangeAspect="1" noChangeArrowheads="1"/>
+          </p:cNvPicPr>
+          <p:nvPr/>
+        </p:nvPicPr>
+        <p:blipFill>
+          <a:blip r:embed="rId2">
+            <a:extLst>
+              <a:ext uri="{28A0092B-C50C-407E-A947-70E740481C1C}">
+                <a14:useLocalDpi xmlns:a14="http://schemas.microsoft.com/office/drawing/2010/main" val="0"/>
+              </a:ext>
+            </a:extLst>
+          </a:blip>
+          <a:srcRect/>
+          <a:stretch>
+            <a:fillRect/>
+          </a:stretch>
+        </p:blipFill>
+        <p:spPr bwMode="auto">
+          <a:xfrm>
+            <a:off x="2241273" y="4334897"/>
+            <a:ext cx="3254005" cy="2473135"/>
+          </a:xfrm>
+          <a:prstGeom prst="rect">
+            <a:avLst/>
+          </a:prstGeom>
+          <a:noFill/>
+          <a:extLst>
+            <a:ext uri="{909E8E84-426E-40DD-AFC4-6F175D3DCCD1}">
+              <a14:hiddenFill xmlns:a14="http://schemas.microsoft.com/office/drawing/2010/main">
+                <a:solidFill>
+                  <a:srgbClr val="FFFFFF"/>
+                </a:solidFill>
+              </a14:hiddenFill>
+            </a:ext>
+          </a:extLst>
+        </p:spPr>
+      </p:pic>
       <p:sp>
         <p:nvSpPr>
           <p:cNvPr id="2" name="Titre 1">
@@ -4534,7 +4767,32 @@
             </a:pPr>
             <a:r>
               <a:rPr lang="fr-FR" dirty="0"/>
-              <a:t> L’ensemble du projet :D</a:t>
+              <a:t> La classe </a:t>
+            </a:r>
+            <a:r>
+              <a:rPr lang="fr-FR" dirty="0" err="1"/>
+              <a:t>Card</a:t>
+            </a:r>
+            <a:endParaRPr lang="fr-FR" dirty="0"/>
+          </a:p>
+          <a:p>
+            <a:pPr>
+              <a:buFont typeface="Wingdings" panose="05000000000000000000" pitchFamily="2" charset="2"/>
+              <a:buChar char="Ø"/>
+            </a:pPr>
+            <a:r>
+              <a:rPr lang="fr-FR" dirty="0"/>
+              <a:t> La classe Combinaison</a:t>
+            </a:r>
+          </a:p>
+          <a:p>
+            <a:pPr>
+              <a:buFont typeface="Wingdings" panose="05000000000000000000" pitchFamily="2" charset="2"/>
+              <a:buChar char="Ø"/>
+            </a:pPr>
+            <a:r>
+              <a:rPr lang="fr-FR" dirty="0"/>
+              <a:t> La classe deck</a:t>
             </a:r>
           </a:p>
           <a:p>
@@ -4761,55 +5019,34 @@
               <a:t> Les Tests</a:t>
             </a:r>
           </a:p>
-        </p:txBody>
-      </p:sp>
-      <p:pic>
-        <p:nvPicPr>
-          <p:cNvPr id="8194" name="Picture 2" descr="Afficher l’image source">
-            <a:extLst>
-              <a:ext uri="{FF2B5EF4-FFF2-40B4-BE49-F238E27FC236}">
-                <a16:creationId xmlns:a16="http://schemas.microsoft.com/office/drawing/2014/main" id="{9BFA48A0-592A-4025-99F8-26BA96ADAEDE}"/>
-              </a:ext>
-            </a:extLst>
-          </p:cNvPr>
-          <p:cNvPicPr>
-            <a:picLocks noChangeAspect="1" noChangeArrowheads="1"/>
-          </p:cNvPicPr>
-          <p:nvPr/>
-        </p:nvPicPr>
-        <p:blipFill>
-          <a:blip r:embed="rId2">
-            <a:extLst>
-              <a:ext uri="{28A0092B-C50C-407E-A947-70E740481C1C}">
-                <a14:useLocalDpi xmlns:a14="http://schemas.microsoft.com/office/drawing/2010/main" val="0"/>
-              </a:ext>
-            </a:extLst>
-          </a:blip>
-          <a:srcRect/>
-          <a:stretch>
-            <a:fillRect/>
-          </a:stretch>
-        </p:blipFill>
-        <p:spPr bwMode="auto">
-          <a:xfrm>
-            <a:off x="1566570" y="4019740"/>
-            <a:ext cx="3254005" cy="2473135"/>
-          </a:xfrm>
-          <a:prstGeom prst="rect">
-            <a:avLst/>
-          </a:prstGeom>
-          <a:noFill/>
-          <a:extLst>
-            <a:ext uri="{909E8E84-426E-40DD-AFC4-6F175D3DCCD1}">
-              <a14:hiddenFill xmlns:a14="http://schemas.microsoft.com/office/drawing/2010/main">
-                <a:solidFill>
-                  <a:srgbClr val="FFFFFF"/>
-                </a:solidFill>
-              </a14:hiddenFill>
-            </a:ext>
-          </a:extLst>
-        </p:spPr>
-      </p:pic>
+          <a:p>
+            <a:pPr>
+              <a:buFont typeface="Wingdings" panose="05000000000000000000" pitchFamily="2" charset="2"/>
+              <a:buChar char="Ø"/>
+            </a:pPr>
+            <a:r>
+              <a:rPr lang="fr-FR" dirty="0"/>
+              <a:t> Classe </a:t>
+            </a:r>
+            <a:r>
+              <a:rPr lang="fr-FR" dirty="0" err="1"/>
+              <a:t>comparator</a:t>
+            </a:r>
+            <a:r>
+              <a:rPr lang="fr-FR" dirty="0"/>
+              <a:t> -&gt; on peut réduire le nombre de classes de 2 en les incluant dans Hand et </a:t>
+            </a:r>
+            <a:r>
+              <a:rPr lang="fr-FR" dirty="0" err="1"/>
+              <a:t>Card</a:t>
+            </a:r>
+            <a:r>
+              <a:rPr lang="fr-FR" dirty="0"/>
+              <a:t>.</a:t>
+            </a:r>
+          </a:p>
+        </p:txBody>
+      </p:sp>
     </p:spTree>
     <p:extLst>
       <p:ext uri="{BB962C8B-B14F-4D97-AF65-F5344CB8AC3E}">
@@ -4961,8 +5198,8 @@
         </p:blipFill>
         <p:spPr bwMode="auto">
           <a:xfrm>
-            <a:off x="7264153" y="2760954"/>
-            <a:ext cx="2756163" cy="2263991"/>
+            <a:off x="8257712" y="2729686"/>
+            <a:ext cx="3096088" cy="2543215"/>
           </a:xfrm>
           <a:prstGeom prst="rect">
             <a:avLst/>
@@ -5081,18 +5318,13 @@
             </a:pPr>
             <a:r>
               <a:rPr lang="fr-FR" dirty="0"/>
-              <a:t> 5 cartes au centre (révélées selon 3 phases: le flop, le tournant et la rivière)</a:t>
-            </a:r>
-          </a:p>
-          <a:p>
-            <a:pPr lvl="3">
-              <a:buFont typeface="Wingdings" panose="05000000000000000000" pitchFamily="2" charset="2"/>
-              <a:buChar char="Ø"/>
-            </a:pPr>
-            <a:r>
-              <a:rPr lang="fr-FR" dirty="0"/>
-              <a:t> Seulement deux cartes par mains</a:t>
-            </a:r>
+              <a:t> Passage au Texas </a:t>
+            </a:r>
+            <a:r>
+              <a:rPr lang="fr-FR" dirty="0" err="1"/>
+              <a:t>Hold’em</a:t>
+            </a:r>
+            <a:endParaRPr lang="fr-FR" dirty="0"/>
           </a:p>
           <a:p>
             <a:pPr marL="1371600" lvl="3" indent="0">
@@ -5104,6 +5336,15 @@
             <a:r>
               <a:rPr lang="fr-FR" dirty="0"/>
               <a:t>Une interface graphique pour un meilleur confort de jeu</a:t>
+            </a:r>
+          </a:p>
+          <a:p>
+            <a:endParaRPr lang="fr-FR" dirty="0"/>
+          </a:p>
+          <a:p>
+            <a:r>
+              <a:rPr lang="fr-FR" dirty="0"/>
+              <a:t>Ajout de probabilités de victoire pour aider le joueur</a:t>
             </a:r>
           </a:p>
           <a:p>
@@ -5205,7 +5446,7 @@
           <p:cNvPr id="2" name="Titre 1">
             <a:extLst>
               <a:ext uri="{FF2B5EF4-FFF2-40B4-BE49-F238E27FC236}">
-                <a16:creationId xmlns:a16="http://schemas.microsoft.com/office/drawing/2014/main" id="{34AD10B9-B7F5-421F-BBCF-850B86D9F8C0}"/>
+                <a16:creationId xmlns:a16="http://schemas.microsoft.com/office/drawing/2014/main" id="{57F5EC9B-0250-426E-8023-6B5C689A9A78}"/>
               </a:ext>
             </a:extLst>
           </p:cNvPr>
@@ -5224,42 +5465,35 @@
             <a:pPr algn="ctr"/>
             <a:r>
               <a:rPr lang="fr-FR" dirty="0"/>
-              <a:t>Merci pour votre attention !</a:t>
-            </a:r>
-          </a:p>
-        </p:txBody>
-      </p:sp>
-      <p:sp>
-        <p:nvSpPr>
-          <p:cNvPr id="4" name="ZoneTexte 3">
-            <a:extLst>
-              <a:ext uri="{FF2B5EF4-FFF2-40B4-BE49-F238E27FC236}">
-                <a16:creationId xmlns:a16="http://schemas.microsoft.com/office/drawing/2014/main" id="{AF7F034F-5C3C-49F1-9635-2B20FDE4008F}"/>
-              </a:ext>
-            </a:extLst>
-          </p:cNvPr>
-          <p:cNvSpPr txBox="1"/>
-          <p:nvPr/>
-        </p:nvSpPr>
-        <p:spPr>
-          <a:xfrm>
-            <a:off x="3654640" y="3776393"/>
-            <a:ext cx="2441360" cy="707886"/>
-          </a:xfrm>
-          <a:prstGeom prst="rect">
-            <a:avLst/>
-          </a:prstGeom>
-          <a:noFill/>
-        </p:spPr>
-        <p:txBody>
-          <a:bodyPr wrap="square" rtlCol="0">
-            <a:spAutoFit/>
-          </a:bodyPr>
-          <a:lstStyle/>
-          <a:p>
-            <a:r>
-              <a:rPr lang="fr-FR" sz="4000" dirty="0"/>
-              <a:t>Place aux </a:t>
+              <a:t>Petit hors projet : IHM (bonus)</a:t>
+            </a:r>
+          </a:p>
+        </p:txBody>
+      </p:sp>
+      <p:sp>
+        <p:nvSpPr>
+          <p:cNvPr id="3" name="Espace réservé du contenu 2">
+            <a:extLst>
+              <a:ext uri="{FF2B5EF4-FFF2-40B4-BE49-F238E27FC236}">
+                <a16:creationId xmlns:a16="http://schemas.microsoft.com/office/drawing/2014/main" id="{16718332-EAC0-4362-9F9C-A0EDEF887A60}"/>
+              </a:ext>
+            </a:extLst>
+          </p:cNvPr>
+          <p:cNvSpPr>
+            <a:spLocks noGrp="1"/>
+          </p:cNvSpPr>
+          <p:nvPr>
+            <p:ph idx="1"/>
+          </p:nvPr>
+        </p:nvSpPr>
+        <p:spPr/>
+        <p:txBody>
+          <a:bodyPr/>
+          <a:lstStyle/>
+          <a:p>
+            <a:r>
+              <a:rPr lang="fr-FR" dirty="0"/>
+              <a:t>Démonstration avec interface graphique utilisant java swing</a:t>
             </a:r>
           </a:p>
         </p:txBody>
@@ -5269,7 +5503,7 @@
           <p:cNvPr id="1026" name="Picture 2" descr="Afficher l’image source">
             <a:extLst>
               <a:ext uri="{FF2B5EF4-FFF2-40B4-BE49-F238E27FC236}">
-                <a16:creationId xmlns:a16="http://schemas.microsoft.com/office/drawing/2014/main" id="{20AF287C-9994-4B82-8E59-C3D18F42C819}"/>
+                <a16:creationId xmlns:a16="http://schemas.microsoft.com/office/drawing/2014/main" id="{3A21825A-FDE8-4014-8E49-334F38124D91}"/>
               </a:ext>
             </a:extLst>
           </p:cNvPr>
@@ -5293,8 +5527,55 @@
         </p:blipFill>
         <p:spPr bwMode="auto">
           <a:xfrm>
-            <a:off x="6096000" y="2701586"/>
+            <a:off x="1728741" y="3092203"/>
             <a:ext cx="2857500" cy="2857500"/>
+          </a:xfrm>
+          <a:prstGeom prst="rect">
+            <a:avLst/>
+          </a:prstGeom>
+          <a:noFill/>
+          <a:extLst>
+            <a:ext uri="{909E8E84-426E-40DD-AFC4-6F175D3DCCD1}">
+              <a14:hiddenFill xmlns:a14="http://schemas.microsoft.com/office/drawing/2010/main">
+                <a:solidFill>
+                  <a:srgbClr val="FFFFFF"/>
+                </a:solidFill>
+              </a14:hiddenFill>
+            </a:ext>
+          </a:extLst>
+        </p:spPr>
+      </p:pic>
+      <p:pic>
+        <p:nvPicPr>
+          <p:cNvPr id="1028" name="Picture 4" descr="Afficher l’image source">
+            <a:extLst>
+              <a:ext uri="{FF2B5EF4-FFF2-40B4-BE49-F238E27FC236}">
+                <a16:creationId xmlns:a16="http://schemas.microsoft.com/office/drawing/2014/main" id="{185E308B-4CED-4DED-BA40-6E6760870DC8}"/>
+              </a:ext>
+            </a:extLst>
+          </p:cNvPr>
+          <p:cNvPicPr>
+            <a:picLocks noChangeAspect="1" noChangeArrowheads="1"/>
+          </p:cNvPicPr>
+          <p:nvPr/>
+        </p:nvPicPr>
+        <p:blipFill>
+          <a:blip r:embed="rId3">
+            <a:extLst>
+              <a:ext uri="{28A0092B-C50C-407E-A947-70E740481C1C}">
+                <a14:useLocalDpi xmlns:a14="http://schemas.microsoft.com/office/drawing/2010/main" val="0"/>
+              </a:ext>
+            </a:extLst>
+          </a:blip>
+          <a:srcRect/>
+          <a:stretch>
+            <a:fillRect/>
+          </a:stretch>
+        </p:blipFill>
+        <p:spPr bwMode="auto">
+          <a:xfrm>
+            <a:off x="6096000" y="2882900"/>
+            <a:ext cx="4286250" cy="3429000"/>
           </a:xfrm>
           <a:prstGeom prst="rect">
             <a:avLst/>
@@ -5314,7 +5595,7 @@
     </p:spTree>
     <p:extLst>
       <p:ext uri="{BB962C8B-B14F-4D97-AF65-F5344CB8AC3E}">
-        <p14:creationId xmlns:p14="http://schemas.microsoft.com/office/powerpoint/2010/main" val="1716376828"/>
+        <p14:creationId xmlns:p14="http://schemas.microsoft.com/office/powerpoint/2010/main" val="1630045302"/>
       </p:ext>
     </p:extLst>
   </p:cSld>
